--- a/Presentation/Pénzügyi big data szerkesztése.pptx
+++ b/Presentation/Pénzügyi big data szerkesztése.pptx
@@ -7,6 +7,15 @@
   <p:sldIdLst>
     <p:sldId id="256" r:id="rId2"/>
     <p:sldId id="257" r:id="rId3"/>
+    <p:sldId id="258" r:id="rId4"/>
+    <p:sldId id="259" r:id="rId5"/>
+    <p:sldId id="260" r:id="rId6"/>
+    <p:sldId id="261" r:id="rId7"/>
+    <p:sldId id="262" r:id="rId8"/>
+    <p:sldId id="263" r:id="rId9"/>
+    <p:sldId id="264" r:id="rId10"/>
+    <p:sldId id="265" r:id="rId11"/>
+    <p:sldId id="266" r:id="rId12"/>
   </p:sldIdLst>
   <p:sldSz cx="12192000" cy="6858000"/>
   <p:notesSz cx="6858000" cy="9144000"/>
@@ -105,6 +114,11 @@
       </a:defRPr>
     </a:lvl9pPr>
   </p:defaultTextStyle>
+  <p:extLst>
+    <p:ext uri="{EFAFB233-063F-42B5-8137-9DF3F51BA10A}">
+      <p15:sldGuideLst xmlns:p15="http://schemas.microsoft.com/office/powerpoint/2012/main"/>
+    </p:ext>
+  </p:extLst>
 </p:presentation>
 </file>
 
@@ -294,7 +308,7 @@
           <a:p>
             <a:fld id="{4AAD347D-5ACD-4C99-B74B-A9C85AD731AF}" type="datetimeFigureOut">
               <a:rPr lang="en-US" dirty="0"/>
-              <a:t>5/23/2016</a:t>
+              <a:t>5/24/2016</a:t>
             </a:fld>
             <a:endParaRPr lang="en-US" dirty="0"/>
           </a:p>
@@ -564,7 +578,7 @@
           <a:p>
             <a:fld id="{4509A250-FF31-4206-8172-F9D3106AACB1}" type="datetimeFigureOut">
               <a:rPr lang="en-US" dirty="0"/>
-              <a:t>5/23/2016</a:t>
+              <a:t>5/24/2016</a:t>
             </a:fld>
             <a:endParaRPr lang="en-US" dirty="0"/>
           </a:p>
@@ -753,7 +767,7 @@
           <a:p>
             <a:fld id="{4509A250-FF31-4206-8172-F9D3106AACB1}" type="datetimeFigureOut">
               <a:rPr lang="en-US" dirty="0"/>
-              <a:t>5/23/2016</a:t>
+              <a:t>5/24/2016</a:t>
             </a:fld>
             <a:endParaRPr lang="en-US" dirty="0"/>
           </a:p>
@@ -1021,7 +1035,7 @@
           <a:p>
             <a:fld id="{4509A250-FF31-4206-8172-F9D3106AACB1}" type="datetimeFigureOut">
               <a:rPr lang="en-US" dirty="0"/>
-              <a:t>5/23/2016</a:t>
+              <a:t>5/24/2016</a:t>
             </a:fld>
             <a:endParaRPr lang="en-US" dirty="0"/>
           </a:p>
@@ -1357,7 +1371,7 @@
           <a:p>
             <a:fld id="{4509A250-FF31-4206-8172-F9D3106AACB1}" type="datetimeFigureOut">
               <a:rPr lang="en-US" dirty="0"/>
-              <a:t>5/23/2016</a:t>
+              <a:t>5/24/2016</a:t>
             </a:fld>
             <a:endParaRPr lang="en-US" dirty="0"/>
           </a:p>
@@ -1975,7 +1989,7 @@
           <a:p>
             <a:fld id="{4509A250-FF31-4206-8172-F9D3106AACB1}" type="datetimeFigureOut">
               <a:rPr lang="en-US" dirty="0"/>
-              <a:t>5/23/2016</a:t>
+              <a:t>5/24/2016</a:t>
             </a:fld>
             <a:endParaRPr lang="en-US" dirty="0"/>
           </a:p>
@@ -2830,7 +2844,7 @@
           <a:p>
             <a:fld id="{4509A250-FF31-4206-8172-F9D3106AACB1}" type="datetimeFigureOut">
               <a:rPr lang="en-US" dirty="0"/>
-              <a:t>5/23/2016</a:t>
+              <a:t>5/24/2016</a:t>
             </a:fld>
             <a:endParaRPr lang="en-US" dirty="0"/>
           </a:p>
@@ -2995,7 +3009,7 @@
           <a:p>
             <a:fld id="{4509A250-FF31-4206-8172-F9D3106AACB1}" type="datetimeFigureOut">
               <a:rPr lang="en-US" dirty="0"/>
-              <a:t>5/23/2016</a:t>
+              <a:t>5/24/2016</a:t>
             </a:fld>
             <a:endParaRPr lang="en-US" dirty="0"/>
           </a:p>
@@ -3170,7 +3184,7 @@
           <a:p>
             <a:fld id="{4509A250-FF31-4206-8172-F9D3106AACB1}" type="datetimeFigureOut">
               <a:rPr lang="en-US" dirty="0"/>
-              <a:t>5/23/2016</a:t>
+              <a:t>5/24/2016</a:t>
             </a:fld>
             <a:endParaRPr lang="en-US" dirty="0"/>
           </a:p>
@@ -3335,7 +3349,7 @@
           <a:p>
             <a:fld id="{4509A250-FF31-4206-8172-F9D3106AACB1}" type="datetimeFigureOut">
               <a:rPr lang="en-US" dirty="0"/>
-              <a:t>5/23/2016</a:t>
+              <a:t>5/24/2016</a:t>
             </a:fld>
             <a:endParaRPr lang="en-US" dirty="0"/>
           </a:p>
@@ -3577,7 +3591,7 @@
           <a:p>
             <a:fld id="{9796027F-7875-4030-9381-8BD8C4F21935}" type="datetimeFigureOut">
               <a:rPr lang="en-US" dirty="0"/>
-              <a:t>5/23/2016</a:t>
+              <a:t>5/24/2016</a:t>
             </a:fld>
             <a:endParaRPr lang="en-US" dirty="0"/>
           </a:p>
@@ -3864,7 +3878,7 @@
           <a:p>
             <a:fld id="{9796027F-7875-4030-9381-8BD8C4F21935}" type="datetimeFigureOut">
               <a:rPr lang="en-US" dirty="0"/>
-              <a:t>5/23/2016</a:t>
+              <a:t>5/24/2016</a:t>
             </a:fld>
             <a:endParaRPr lang="en-US" dirty="0"/>
           </a:p>
@@ -4303,7 +4317,7 @@
           <a:p>
             <a:fld id="{9796027F-7875-4030-9381-8BD8C4F21935}" type="datetimeFigureOut">
               <a:rPr lang="en-US" dirty="0"/>
-              <a:t>5/23/2016</a:t>
+              <a:t>5/24/2016</a:t>
             </a:fld>
             <a:endParaRPr lang="en-US" dirty="0"/>
           </a:p>
@@ -4416,7 +4430,7 @@
           <a:p>
             <a:fld id="{4509A250-FF31-4206-8172-F9D3106AACB1}" type="datetimeFigureOut">
               <a:rPr lang="en-US" dirty="0"/>
-              <a:t>5/23/2016</a:t>
+              <a:t>5/24/2016</a:t>
             </a:fld>
             <a:endParaRPr lang="en-US" dirty="0"/>
           </a:p>
@@ -4506,7 +4520,7 @@
           <a:p>
             <a:fld id="{4509A250-FF31-4206-8172-F9D3106AACB1}" type="datetimeFigureOut">
               <a:rPr lang="en-US" dirty="0"/>
-              <a:t>5/23/2016</a:t>
+              <a:t>5/24/2016</a:t>
             </a:fld>
             <a:endParaRPr lang="en-US" dirty="0"/>
           </a:p>
@@ -4780,7 +4794,7 @@
           <a:p>
             <a:fld id="{4509A250-FF31-4206-8172-F9D3106AACB1}" type="datetimeFigureOut">
               <a:rPr lang="en-US" dirty="0"/>
-              <a:t>5/23/2016</a:t>
+              <a:t>5/24/2016</a:t>
             </a:fld>
             <a:endParaRPr lang="en-US" dirty="0"/>
           </a:p>
@@ -5050,7 +5064,7 @@
           <a:p>
             <a:fld id="{4509A250-FF31-4206-8172-F9D3106AACB1}" type="datetimeFigureOut">
               <a:rPr lang="en-US" dirty="0"/>
-              <a:t>5/23/2016</a:t>
+              <a:t>5/24/2016</a:t>
             </a:fld>
             <a:endParaRPr lang="en-US" dirty="0"/>
           </a:p>
@@ -5474,7 +5488,7 @@
           <a:p>
             <a:fld id="{4AAD347D-5ACD-4C99-B74B-A9C85AD731AF}" type="datetimeFigureOut">
               <a:rPr lang="en-US" dirty="0"/>
-              <a:t>5/23/2016</a:t>
+              <a:t>5/24/2016</a:t>
             </a:fld>
             <a:endParaRPr lang="en-US" dirty="0"/>
           </a:p>
@@ -6053,6 +6067,17 @@
           <a:lstStyle/>
           <a:p>
             <a:r>
+              <a:rPr lang="en-US" dirty="0" err="1" smtClean="0"/>
+              <a:t>Kov</a:t>
+            </a:r>
+            <a:r>
+              <a:rPr lang="hu-HU" dirty="0" smtClean="0"/>
+              <a:t>ács András</a:t>
+            </a:r>
+            <a:endParaRPr lang="en-US" dirty="0" smtClean="0"/>
+          </a:p>
+          <a:p>
+            <a:r>
               <a:rPr lang="hu-HU" dirty="0" smtClean="0"/>
               <a:t>Konzulensek</a:t>
             </a:r>
@@ -6080,6 +6105,179 @@
     <p:extLst>
       <p:ext uri="{BB962C8B-B14F-4D97-AF65-F5344CB8AC3E}">
         <p14:creationId xmlns:p14="http://schemas.microsoft.com/office/powerpoint/2010/main" val="2617284958"/>
+      </p:ext>
+    </p:extLst>
+  </p:cSld>
+  <p:clrMapOvr>
+    <a:masterClrMapping/>
+  </p:clrMapOvr>
+  <p:timing>
+    <p:tnLst>
+      <p:par>
+        <p:cTn id="1" dur="indefinite" restart="never" nodeType="tmRoot"/>
+      </p:par>
+    </p:tnLst>
+  </p:timing>
+</p:sld>
+</file>
+
+<file path=ppt/slides/slide10.xml><?xml version="1.0" encoding="utf-8"?>
+<p:sld xmlns:a="http://schemas.openxmlformats.org/drawingml/2006/main" xmlns:r="http://schemas.openxmlformats.org/officeDocument/2006/relationships" xmlns:p="http://schemas.openxmlformats.org/presentationml/2006/main">
+  <p:cSld>
+    <p:spTree>
+      <p:nvGrpSpPr>
+        <p:cNvPr id="1" name=""/>
+        <p:cNvGrpSpPr/>
+        <p:nvPr/>
+      </p:nvGrpSpPr>
+      <p:grpSpPr>
+        <a:xfrm>
+          <a:off x="0" y="0"/>
+          <a:ext cx="0" cy="0"/>
+          <a:chOff x="0" y="0"/>
+          <a:chExt cx="0" cy="0"/>
+        </a:xfrm>
+      </p:grpSpPr>
+      <p:sp>
+        <p:nvSpPr>
+          <p:cNvPr id="2" name="Cím 1"/>
+          <p:cNvSpPr>
+            <a:spLocks noGrp="1"/>
+          </p:cNvSpPr>
+          <p:nvPr>
+            <p:ph type="title"/>
+          </p:nvPr>
+        </p:nvSpPr>
+        <p:spPr/>
+        <p:txBody>
+          <a:bodyPr/>
+          <a:lstStyle/>
+          <a:p>
+            <a:r>
+              <a:rPr lang="en-US" dirty="0" err="1" smtClean="0"/>
+              <a:t>Adat</a:t>
+            </a:r>
+            <a:r>
+              <a:rPr lang="en-US" dirty="0" smtClean="0"/>
+              <a:t> II.</a:t>
+            </a:r>
+            <a:endParaRPr lang="hu-HU" dirty="0"/>
+          </a:p>
+        </p:txBody>
+      </p:sp>
+      <p:pic>
+        <p:nvPicPr>
+          <p:cNvPr id="5" name="Tartalom helye 4"/>
+          <p:cNvPicPr>
+            <a:picLocks noGrp="1" noChangeAspect="1"/>
+          </p:cNvPicPr>
+          <p:nvPr>
+            <p:ph idx="1"/>
+          </p:nvPr>
+        </p:nvPicPr>
+        <p:blipFill>
+          <a:blip r:embed="rId2">
+            <a:extLst>
+              <a:ext uri="{28A0092B-C50C-407E-A947-70E740481C1C}">
+                <a14:useLocalDpi xmlns:a14="http://schemas.microsoft.com/office/drawing/2010/main" val="0"/>
+              </a:ext>
+            </a:extLst>
+          </a:blip>
+          <a:stretch>
+            <a:fillRect/>
+          </a:stretch>
+        </p:blipFill>
+        <p:spPr>
+          <a:xfrm>
+            <a:off x="2580733" y="1635543"/>
+            <a:ext cx="6826497" cy="4195762"/>
+          </a:xfrm>
+        </p:spPr>
+      </p:pic>
+    </p:spTree>
+    <p:extLst>
+      <p:ext uri="{BB962C8B-B14F-4D97-AF65-F5344CB8AC3E}">
+        <p14:creationId xmlns:p14="http://schemas.microsoft.com/office/powerpoint/2010/main" val="3560301432"/>
+      </p:ext>
+    </p:extLst>
+  </p:cSld>
+  <p:clrMapOvr>
+    <a:masterClrMapping/>
+  </p:clrMapOvr>
+</p:sld>
+</file>
+
+<file path=ppt/slides/slide11.xml><?xml version="1.0" encoding="utf-8"?>
+<p:sld xmlns:a="http://schemas.openxmlformats.org/drawingml/2006/main" xmlns:r="http://schemas.openxmlformats.org/officeDocument/2006/relationships" xmlns:p="http://schemas.openxmlformats.org/presentationml/2006/main">
+  <p:cSld>
+    <p:spTree>
+      <p:nvGrpSpPr>
+        <p:cNvPr id="1" name=""/>
+        <p:cNvGrpSpPr/>
+        <p:nvPr/>
+      </p:nvGrpSpPr>
+      <p:grpSpPr>
+        <a:xfrm>
+          <a:off x="0" y="0"/>
+          <a:ext cx="0" cy="0"/>
+          <a:chOff x="0" y="0"/>
+          <a:chExt cx="0" cy="0"/>
+        </a:xfrm>
+      </p:grpSpPr>
+      <p:sp>
+        <p:nvSpPr>
+          <p:cNvPr id="2" name="Cím 1"/>
+          <p:cNvSpPr>
+            <a:spLocks noGrp="1"/>
+          </p:cNvSpPr>
+          <p:nvPr>
+            <p:ph type="title"/>
+          </p:nvPr>
+        </p:nvSpPr>
+        <p:spPr/>
+        <p:txBody>
+          <a:bodyPr/>
+          <a:lstStyle/>
+          <a:p>
+            <a:r>
+              <a:rPr lang="en-US" dirty="0" smtClean="0"/>
+              <a:t>K</a:t>
+            </a:r>
+            <a:r>
+              <a:rPr lang="hu-HU" dirty="0" err="1" smtClean="0"/>
+              <a:t>öszönöm</a:t>
+            </a:r>
+            <a:r>
+              <a:rPr lang="hu-HU" dirty="0" smtClean="0"/>
+              <a:t> a figyelmet</a:t>
+            </a:r>
+            <a:endParaRPr lang="hu-HU" dirty="0"/>
+          </a:p>
+        </p:txBody>
+      </p:sp>
+      <p:sp>
+        <p:nvSpPr>
+          <p:cNvPr id="3" name="Szöveg helye 2"/>
+          <p:cNvSpPr>
+            <a:spLocks noGrp="1"/>
+          </p:cNvSpPr>
+          <p:nvPr>
+            <p:ph type="body" idx="1"/>
+          </p:nvPr>
+        </p:nvSpPr>
+        <p:spPr/>
+        <p:txBody>
+          <a:bodyPr/>
+          <a:lstStyle/>
+          <a:p>
+            <a:endParaRPr lang="hu-HU" dirty="0"/>
+          </a:p>
+        </p:txBody>
+      </p:sp>
+    </p:spTree>
+    <p:extLst>
+      <p:ext uri="{BB962C8B-B14F-4D97-AF65-F5344CB8AC3E}">
+        <p14:creationId xmlns:p14="http://schemas.microsoft.com/office/powerpoint/2010/main" val="3002970474"/>
       </p:ext>
     </p:extLst>
   </p:cSld>
@@ -6123,7 +6321,7 @@
           <a:p>
             <a:r>
               <a:rPr lang="hu-HU" dirty="0" smtClean="0"/>
-              <a:t>Leírás</a:t>
+              <a:t>Cél</a:t>
             </a:r>
             <a:endParaRPr lang="hu-HU" dirty="0"/>
           </a:p>
@@ -6144,7 +6342,75 @@
           <a:bodyPr/>
           <a:lstStyle/>
           <a:p>
+            <a:r>
+              <a:rPr lang="hu-HU" dirty="0" smtClean="0"/>
+              <a:t>2.5 </a:t>
+            </a:r>
+            <a:r>
+              <a:rPr lang="hu-HU" dirty="0" err="1" smtClean="0"/>
+              <a:t>TB-os</a:t>
+            </a:r>
+            <a:r>
+              <a:rPr lang="hu-HU" dirty="0" smtClean="0"/>
+              <a:t> adatbázis feldolgozhatóvá tétele (Tőzsdei adatok)</a:t>
+            </a:r>
             <a:endParaRPr lang="hu-HU" dirty="0"/>
+          </a:p>
+          <a:p>
+            <a:r>
+              <a:rPr lang="hu-HU" dirty="0" smtClean="0"/>
+              <a:t>Kereskedési adatok elemzéséből</a:t>
+            </a:r>
+            <a:r>
+              <a:rPr lang="hu-HU" dirty="0" smtClean="0"/>
+              <a:t> viselkedésminták azonosítása</a:t>
+            </a:r>
+          </a:p>
+          <a:p>
+            <a:pPr lvl="1"/>
+            <a:r>
+              <a:rPr lang="hu-HU" dirty="0" smtClean="0"/>
+              <a:t>Véletlenszerű</a:t>
+            </a:r>
+          </a:p>
+          <a:p>
+            <a:pPr lvl="1"/>
+            <a:r>
+              <a:rPr lang="hu-HU" dirty="0" smtClean="0"/>
+              <a:t>Bennfentes</a:t>
+            </a:r>
+          </a:p>
+          <a:p>
+            <a:pPr lvl="1"/>
+            <a:r>
+              <a:rPr lang="hu-HU" dirty="0" smtClean="0"/>
+              <a:t>Heurisztikus</a:t>
+            </a:r>
+          </a:p>
+          <a:p>
+            <a:r>
+              <a:rPr lang="hu-HU" dirty="0" smtClean="0"/>
+              <a:t>(Vizualizáció)</a:t>
+            </a:r>
+            <a:endParaRPr lang="hu-HU" dirty="0" smtClean="0"/>
+          </a:p>
+          <a:p>
+            <a:pPr marL="0" indent="0">
+              <a:buNone/>
+            </a:pPr>
+            <a:endParaRPr lang="hu-HU" dirty="0" smtClean="0"/>
+          </a:p>
+          <a:p>
+            <a:pPr marL="0" indent="0">
+              <a:buNone/>
+            </a:pPr>
+            <a:endParaRPr lang="hu-HU" dirty="0" smtClean="0"/>
+          </a:p>
+          <a:p>
+            <a:pPr marL="0" indent="0">
+              <a:buNone/>
+            </a:pPr>
+            <a:endParaRPr lang="hu-HU" dirty="0" smtClean="0"/>
           </a:p>
         </p:txBody>
       </p:sp>
@@ -6152,6 +6418,1304 @@
     <p:extLst>
       <p:ext uri="{BB962C8B-B14F-4D97-AF65-F5344CB8AC3E}">
         <p14:creationId xmlns:p14="http://schemas.microsoft.com/office/powerpoint/2010/main" val="2120511576"/>
+      </p:ext>
+    </p:extLst>
+  </p:cSld>
+  <p:clrMapOvr>
+    <a:masterClrMapping/>
+  </p:clrMapOvr>
+  <p:timing>
+    <p:tnLst>
+      <p:par>
+        <p:cTn id="1" dur="indefinite" restart="never" nodeType="tmRoot"/>
+      </p:par>
+    </p:tnLst>
+  </p:timing>
+</p:sld>
+</file>
+
+<file path=ppt/slides/slide3.xml><?xml version="1.0" encoding="utf-8"?>
+<p:sld xmlns:a="http://schemas.openxmlformats.org/drawingml/2006/main" xmlns:r="http://schemas.openxmlformats.org/officeDocument/2006/relationships" xmlns:p="http://schemas.openxmlformats.org/presentationml/2006/main">
+  <p:cSld>
+    <p:spTree>
+      <p:nvGrpSpPr>
+        <p:cNvPr id="1" name=""/>
+        <p:cNvGrpSpPr/>
+        <p:nvPr/>
+      </p:nvGrpSpPr>
+      <p:grpSpPr>
+        <a:xfrm>
+          <a:off x="0" y="0"/>
+          <a:ext cx="0" cy="0"/>
+          <a:chOff x="0" y="0"/>
+          <a:chExt cx="0" cy="0"/>
+        </a:xfrm>
+      </p:grpSpPr>
+      <p:sp>
+        <p:nvSpPr>
+          <p:cNvPr id="2" name="Cím 1"/>
+          <p:cNvSpPr>
+            <a:spLocks noGrp="1"/>
+          </p:cNvSpPr>
+          <p:nvPr>
+            <p:ph type="title"/>
+          </p:nvPr>
+        </p:nvSpPr>
+        <p:spPr/>
+        <p:txBody>
+          <a:bodyPr/>
+          <a:lstStyle/>
+          <a:p>
+            <a:r>
+              <a:rPr lang="hu-HU" dirty="0" smtClean="0"/>
+              <a:t>Az adatbázis I.</a:t>
+            </a:r>
+            <a:endParaRPr lang="hu-HU" dirty="0"/>
+          </a:p>
+        </p:txBody>
+      </p:sp>
+      <p:pic>
+        <p:nvPicPr>
+          <p:cNvPr id="4" name="Tartalom helye 3"/>
+          <p:cNvPicPr>
+            <a:picLocks noGrp="1" noChangeAspect="1"/>
+          </p:cNvPicPr>
+          <p:nvPr>
+            <p:ph idx="1"/>
+          </p:nvPr>
+        </p:nvPicPr>
+        <p:blipFill>
+          <a:blip r:embed="rId2">
+            <a:extLst>
+              <a:ext uri="{28A0092B-C50C-407E-A947-70E740481C1C}">
+                <a14:useLocalDpi xmlns:a14="http://schemas.microsoft.com/office/drawing/2010/main" val="0"/>
+              </a:ext>
+            </a:extLst>
+          </a:blip>
+          <a:stretch>
+            <a:fillRect/>
+          </a:stretch>
+        </p:blipFill>
+        <p:spPr>
+          <a:xfrm>
+            <a:off x="1133121" y="2052638"/>
+            <a:ext cx="8887534" cy="4195762"/>
+          </a:xfrm>
+        </p:spPr>
+      </p:pic>
+    </p:spTree>
+    <p:extLst>
+      <p:ext uri="{BB962C8B-B14F-4D97-AF65-F5344CB8AC3E}">
+        <p14:creationId xmlns:p14="http://schemas.microsoft.com/office/powerpoint/2010/main" val="3798843077"/>
+      </p:ext>
+    </p:extLst>
+  </p:cSld>
+  <p:clrMapOvr>
+    <a:masterClrMapping/>
+  </p:clrMapOvr>
+  <p:timing>
+    <p:tnLst>
+      <p:par>
+        <p:cTn id="1" dur="indefinite" restart="never" nodeType="tmRoot"/>
+      </p:par>
+    </p:tnLst>
+  </p:timing>
+</p:sld>
+</file>
+
+<file path=ppt/slides/slide4.xml><?xml version="1.0" encoding="utf-8"?>
+<p:sld xmlns:a="http://schemas.openxmlformats.org/drawingml/2006/main" xmlns:r="http://schemas.openxmlformats.org/officeDocument/2006/relationships" xmlns:p="http://schemas.openxmlformats.org/presentationml/2006/main">
+  <p:cSld>
+    <p:spTree>
+      <p:nvGrpSpPr>
+        <p:cNvPr id="1" name=""/>
+        <p:cNvGrpSpPr/>
+        <p:nvPr/>
+      </p:nvGrpSpPr>
+      <p:grpSpPr>
+        <a:xfrm>
+          <a:off x="0" y="0"/>
+          <a:ext cx="0" cy="0"/>
+          <a:chOff x="0" y="0"/>
+          <a:chExt cx="0" cy="0"/>
+        </a:xfrm>
+      </p:grpSpPr>
+      <p:sp>
+        <p:nvSpPr>
+          <p:cNvPr id="2" name="Cím 1"/>
+          <p:cNvSpPr>
+            <a:spLocks noGrp="1"/>
+          </p:cNvSpPr>
+          <p:nvPr>
+            <p:ph type="title"/>
+          </p:nvPr>
+        </p:nvSpPr>
+        <p:spPr/>
+        <p:txBody>
+          <a:bodyPr/>
+          <a:lstStyle/>
+          <a:p>
+            <a:r>
+              <a:rPr lang="hu-HU" dirty="0" smtClean="0"/>
+              <a:t>Az adatbázis II.</a:t>
+            </a:r>
+            <a:endParaRPr lang="hu-HU" dirty="0"/>
+          </a:p>
+        </p:txBody>
+      </p:sp>
+      <p:pic>
+        <p:nvPicPr>
+          <p:cNvPr id="4" name="Tartalom helye 3"/>
+          <p:cNvPicPr>
+            <a:picLocks noGrp="1" noChangeAspect="1"/>
+          </p:cNvPicPr>
+          <p:nvPr>
+            <p:ph idx="1"/>
+          </p:nvPr>
+        </p:nvPicPr>
+        <p:blipFill>
+          <a:blip r:embed="rId2">
+            <a:extLst>
+              <a:ext uri="{28A0092B-C50C-407E-A947-70E740481C1C}">
+                <a14:useLocalDpi xmlns:a14="http://schemas.microsoft.com/office/drawing/2010/main" val="0"/>
+              </a:ext>
+            </a:extLst>
+          </a:blip>
+          <a:stretch>
+            <a:fillRect/>
+          </a:stretch>
+        </p:blipFill>
+        <p:spPr>
+          <a:xfrm>
+            <a:off x="3387960" y="2052638"/>
+            <a:ext cx="4377856" cy="4195762"/>
+          </a:xfrm>
+        </p:spPr>
+      </p:pic>
+    </p:spTree>
+    <p:extLst>
+      <p:ext uri="{BB962C8B-B14F-4D97-AF65-F5344CB8AC3E}">
+        <p14:creationId xmlns:p14="http://schemas.microsoft.com/office/powerpoint/2010/main" val="4201336363"/>
+      </p:ext>
+    </p:extLst>
+  </p:cSld>
+  <p:clrMapOvr>
+    <a:masterClrMapping/>
+  </p:clrMapOvr>
+</p:sld>
+</file>
+
+<file path=ppt/slides/slide5.xml><?xml version="1.0" encoding="utf-8"?>
+<p:sld xmlns:a="http://schemas.openxmlformats.org/drawingml/2006/main" xmlns:r="http://schemas.openxmlformats.org/officeDocument/2006/relationships" xmlns:p="http://schemas.openxmlformats.org/presentationml/2006/main">
+  <p:cSld>
+    <p:spTree>
+      <p:nvGrpSpPr>
+        <p:cNvPr id="1" name=""/>
+        <p:cNvGrpSpPr/>
+        <p:nvPr/>
+      </p:nvGrpSpPr>
+      <p:grpSpPr>
+        <a:xfrm>
+          <a:off x="0" y="0"/>
+          <a:ext cx="0" cy="0"/>
+          <a:chOff x="0" y="0"/>
+          <a:chExt cx="0" cy="0"/>
+        </a:xfrm>
+      </p:grpSpPr>
+      <p:sp>
+        <p:nvSpPr>
+          <p:cNvPr id="2" name="Cím 1"/>
+          <p:cNvSpPr>
+            <a:spLocks noGrp="1"/>
+          </p:cNvSpPr>
+          <p:nvPr>
+            <p:ph type="title"/>
+          </p:nvPr>
+        </p:nvSpPr>
+        <p:spPr/>
+        <p:txBody>
+          <a:bodyPr/>
+          <a:lstStyle/>
+          <a:p>
+            <a:r>
+              <a:rPr lang="hu-HU" dirty="0" err="1" smtClean="0"/>
+              <a:t>Tradek</a:t>
+            </a:r>
+            <a:r>
+              <a:rPr lang="hu-HU" dirty="0" smtClean="0"/>
+              <a:t> osztályozása: </a:t>
+            </a:r>
+            <a:r>
+              <a:rPr lang="hu-HU" dirty="0" err="1" smtClean="0"/>
+              <a:t>Lee-Ready</a:t>
+            </a:r>
+            <a:r>
+              <a:rPr lang="hu-HU" dirty="0" smtClean="0"/>
+              <a:t> algoritmus I.</a:t>
+            </a:r>
+            <a:endParaRPr lang="hu-HU" dirty="0"/>
+          </a:p>
+        </p:txBody>
+      </p:sp>
+      <p:pic>
+        <p:nvPicPr>
+          <p:cNvPr id="4" name="Tartalom helye 3"/>
+          <p:cNvPicPr>
+            <a:picLocks noGrp="1" noChangeAspect="1"/>
+          </p:cNvPicPr>
+          <p:nvPr>
+            <p:ph idx="1"/>
+          </p:nvPr>
+        </p:nvPicPr>
+        <p:blipFill>
+          <a:blip r:embed="rId2">
+            <a:extLst>
+              <a:ext uri="{28A0092B-C50C-407E-A947-70E740481C1C}">
+                <a14:useLocalDpi xmlns:a14="http://schemas.microsoft.com/office/drawing/2010/main" val="0"/>
+              </a:ext>
+            </a:extLst>
+          </a:blip>
+          <a:stretch>
+            <a:fillRect/>
+          </a:stretch>
+        </p:blipFill>
+        <p:spPr>
+          <a:xfrm>
+            <a:off x="1476795" y="2052638"/>
+            <a:ext cx="8200186" cy="4195762"/>
+          </a:xfrm>
+        </p:spPr>
+      </p:pic>
+    </p:spTree>
+    <p:extLst>
+      <p:ext uri="{BB962C8B-B14F-4D97-AF65-F5344CB8AC3E}">
+        <p14:creationId xmlns:p14="http://schemas.microsoft.com/office/powerpoint/2010/main" val="1010602631"/>
+      </p:ext>
+    </p:extLst>
+  </p:cSld>
+  <p:clrMapOvr>
+    <a:masterClrMapping/>
+  </p:clrMapOvr>
+</p:sld>
+</file>
+
+<file path=ppt/slides/slide6.xml><?xml version="1.0" encoding="utf-8"?>
+<p:sld xmlns:a="http://schemas.openxmlformats.org/drawingml/2006/main" xmlns:r="http://schemas.openxmlformats.org/officeDocument/2006/relationships" xmlns:p="http://schemas.openxmlformats.org/presentationml/2006/main">
+  <p:cSld>
+    <p:spTree>
+      <p:nvGrpSpPr>
+        <p:cNvPr id="1" name=""/>
+        <p:cNvGrpSpPr/>
+        <p:nvPr/>
+      </p:nvGrpSpPr>
+      <p:grpSpPr>
+        <a:xfrm>
+          <a:off x="0" y="0"/>
+          <a:ext cx="0" cy="0"/>
+          <a:chOff x="0" y="0"/>
+          <a:chExt cx="0" cy="0"/>
+        </a:xfrm>
+      </p:grpSpPr>
+      <p:sp>
+        <p:nvSpPr>
+          <p:cNvPr id="2" name="Cím 1"/>
+          <p:cNvSpPr>
+            <a:spLocks noGrp="1"/>
+          </p:cNvSpPr>
+          <p:nvPr>
+            <p:ph type="title"/>
+          </p:nvPr>
+        </p:nvSpPr>
+        <p:spPr/>
+        <p:txBody>
+          <a:bodyPr/>
+          <a:lstStyle/>
+          <a:p>
+            <a:r>
+              <a:rPr lang="hu-HU" dirty="0" smtClean="0"/>
+              <a:t>Architektúra</a:t>
+            </a:r>
+            <a:endParaRPr lang="hu-HU" dirty="0"/>
+          </a:p>
+        </p:txBody>
+      </p:sp>
+      <p:sp>
+        <p:nvSpPr>
+          <p:cNvPr id="3" name="Tartalom helye 2"/>
+          <p:cNvSpPr>
+            <a:spLocks noGrp="1"/>
+          </p:cNvSpPr>
+          <p:nvPr>
+            <p:ph idx="1"/>
+          </p:nvPr>
+        </p:nvSpPr>
+        <p:spPr/>
+        <p:txBody>
+          <a:bodyPr>
+            <a:normAutofit fontScale="92500" lnSpcReduction="20000"/>
+          </a:bodyPr>
+          <a:lstStyle/>
+          <a:p>
+            <a:r>
+              <a:rPr lang="hu-HU" dirty="0" smtClean="0"/>
+              <a:t>KDB+ server</a:t>
+            </a:r>
+          </a:p>
+          <a:p>
+            <a:pPr lvl="1"/>
+            <a:r>
+              <a:rPr lang="hu-HU" dirty="0" smtClean="0"/>
+              <a:t>Nagy teljesítményű adatbázis szerver</a:t>
+            </a:r>
+          </a:p>
+          <a:p>
+            <a:pPr lvl="1"/>
+            <a:r>
+              <a:rPr lang="hu-HU" dirty="0" smtClean="0"/>
+              <a:t>Q-ban és SQL-szerű nyelven programozható</a:t>
+            </a:r>
+          </a:p>
+          <a:p>
+            <a:r>
+              <a:rPr lang="hu-HU" dirty="0" smtClean="0"/>
+              <a:t>Python script</a:t>
+            </a:r>
+          </a:p>
+          <a:p>
+            <a:pPr lvl="1"/>
+            <a:r>
+              <a:rPr lang="hu-HU" dirty="0" smtClean="0"/>
+              <a:t>Futhat ugyanazon a gépen, mint KDB+ server</a:t>
+            </a:r>
+          </a:p>
+          <a:p>
+            <a:pPr lvl="1"/>
+            <a:r>
+              <a:rPr lang="hu-HU" dirty="0" smtClean="0"/>
+              <a:t>Fő feladata a </a:t>
+            </a:r>
+            <a:r>
+              <a:rPr lang="hu-HU" dirty="0" err="1" smtClean="0"/>
+              <a:t>Lee-Ready</a:t>
+            </a:r>
+            <a:r>
+              <a:rPr lang="hu-HU" dirty="0" smtClean="0"/>
+              <a:t> végrehajtása</a:t>
+            </a:r>
+          </a:p>
+          <a:p>
+            <a:pPr lvl="1"/>
+            <a:r>
+              <a:rPr lang="hu-HU" dirty="0"/>
+              <a:t>Vizualizáció (</a:t>
+            </a:r>
+            <a:r>
+              <a:rPr lang="hu-HU" dirty="0" err="1"/>
+              <a:t>matplotlib</a:t>
+            </a:r>
+            <a:r>
+              <a:rPr lang="hu-HU" dirty="0" smtClean="0"/>
+              <a:t>)</a:t>
+            </a:r>
+            <a:endParaRPr lang="en-US" dirty="0" smtClean="0"/>
+          </a:p>
+          <a:p>
+            <a:pPr lvl="1"/>
+            <a:r>
+              <a:rPr lang="en-US" dirty="0" smtClean="0"/>
+              <a:t>Export</a:t>
+            </a:r>
+            <a:r>
+              <a:rPr lang="hu-HU" dirty="0" err="1" smtClean="0"/>
+              <a:t>álás</a:t>
+            </a:r>
+            <a:r>
+              <a:rPr lang="hu-HU" dirty="0" smtClean="0"/>
+              <a:t> (</a:t>
+            </a:r>
+            <a:r>
+              <a:rPr lang="hu-HU" dirty="0" err="1" smtClean="0"/>
+              <a:t>pl</a:t>
+            </a:r>
+            <a:r>
+              <a:rPr lang="hu-HU" dirty="0" smtClean="0"/>
+              <a:t>: </a:t>
+            </a:r>
+            <a:r>
+              <a:rPr lang="hu-HU" dirty="0" err="1" smtClean="0"/>
+              <a:t>csv</a:t>
+            </a:r>
+            <a:r>
+              <a:rPr lang="hu-HU" dirty="0" smtClean="0"/>
+              <a:t>)</a:t>
+            </a:r>
+          </a:p>
+          <a:p>
+            <a:r>
+              <a:rPr lang="hu-HU" dirty="0" smtClean="0"/>
+              <a:t>Wolfram </a:t>
+            </a:r>
+            <a:r>
+              <a:rPr lang="hu-HU" dirty="0" err="1" smtClean="0"/>
+              <a:t>Mathematica</a:t>
+            </a:r>
+            <a:endParaRPr lang="hu-HU" dirty="0" smtClean="0"/>
+          </a:p>
+          <a:p>
+            <a:pPr lvl="1"/>
+            <a:r>
+              <a:rPr lang="hu-HU" dirty="0" err="1" smtClean="0"/>
+              <a:t>Szimbólikus</a:t>
+            </a:r>
+            <a:r>
+              <a:rPr lang="hu-HU" dirty="0" smtClean="0"/>
+              <a:t> algebra</a:t>
+            </a:r>
+          </a:p>
+          <a:p>
+            <a:pPr lvl="1"/>
+            <a:r>
+              <a:rPr lang="hu-HU" dirty="0" smtClean="0"/>
+              <a:t>Maximum </a:t>
+            </a:r>
+            <a:r>
+              <a:rPr lang="hu-HU" dirty="0" err="1" smtClean="0"/>
+              <a:t>likelihood</a:t>
+            </a:r>
+            <a:r>
+              <a:rPr lang="hu-HU" dirty="0" smtClean="0"/>
+              <a:t> illesztés</a:t>
+            </a:r>
+          </a:p>
+          <a:p>
+            <a:pPr lvl="1"/>
+            <a:r>
+              <a:rPr lang="hu-HU" dirty="0" smtClean="0"/>
+              <a:t>Extra adatok egyszerű beszerzése (S</a:t>
+            </a:r>
+            <a:r>
+              <a:rPr lang="en-US" dirty="0" smtClean="0"/>
+              <a:t>&amp;</a:t>
+            </a:r>
+            <a:r>
+              <a:rPr lang="hu-HU" dirty="0" smtClean="0"/>
+              <a:t>P</a:t>
+            </a:r>
+            <a:r>
+              <a:rPr lang="en-US" dirty="0" smtClean="0"/>
+              <a:t>500 index</a:t>
+            </a:r>
+            <a:r>
+              <a:rPr lang="hu-HU" dirty="0" smtClean="0"/>
+              <a:t>)</a:t>
+            </a:r>
+          </a:p>
+        </p:txBody>
+      </p:sp>
+    </p:spTree>
+    <p:extLst>
+      <p:ext uri="{BB962C8B-B14F-4D97-AF65-F5344CB8AC3E}">
+        <p14:creationId xmlns:p14="http://schemas.microsoft.com/office/powerpoint/2010/main" val="1936064052"/>
+      </p:ext>
+    </p:extLst>
+  </p:cSld>
+  <p:clrMapOvr>
+    <a:masterClrMapping/>
+  </p:clrMapOvr>
+</p:sld>
+</file>
+
+<file path=ppt/slides/slide7.xml><?xml version="1.0" encoding="utf-8"?>
+<p:sld xmlns:a="http://schemas.openxmlformats.org/drawingml/2006/main" xmlns:r="http://schemas.openxmlformats.org/officeDocument/2006/relationships" xmlns:p="http://schemas.openxmlformats.org/presentationml/2006/main">
+  <p:cSld>
+    <p:spTree>
+      <p:nvGrpSpPr>
+        <p:cNvPr id="1" name=""/>
+        <p:cNvGrpSpPr/>
+        <p:nvPr/>
+      </p:nvGrpSpPr>
+      <p:grpSpPr>
+        <a:xfrm>
+          <a:off x="0" y="0"/>
+          <a:ext cx="0" cy="0"/>
+          <a:chOff x="0" y="0"/>
+          <a:chExt cx="0" cy="0"/>
+        </a:xfrm>
+      </p:grpSpPr>
+      <p:sp>
+        <p:nvSpPr>
+          <p:cNvPr id="2" name="Cím 1"/>
+          <p:cNvSpPr>
+            <a:spLocks noGrp="1"/>
+          </p:cNvSpPr>
+          <p:nvPr>
+            <p:ph type="title"/>
+          </p:nvPr>
+        </p:nvSpPr>
+        <p:spPr/>
+        <p:txBody>
+          <a:bodyPr/>
+          <a:lstStyle/>
+          <a:p>
+            <a:r>
+              <a:rPr lang="hu-HU" dirty="0" smtClean="0"/>
+              <a:t>A modell I.</a:t>
+            </a:r>
+            <a:endParaRPr lang="hu-HU" dirty="0"/>
+          </a:p>
+        </p:txBody>
+      </p:sp>
+      <p:sp>
+        <p:nvSpPr>
+          <p:cNvPr id="3" name="Tartalom helye 2"/>
+          <p:cNvSpPr>
+            <a:spLocks noGrp="1"/>
+          </p:cNvSpPr>
+          <p:nvPr>
+            <p:ph idx="1"/>
+          </p:nvPr>
+        </p:nvSpPr>
+        <p:spPr/>
+        <p:txBody>
+          <a:bodyPr/>
+          <a:lstStyle/>
+          <a:p>
+            <a:r>
+              <a:rPr lang="hu-HU" dirty="0" smtClean="0"/>
+              <a:t>Véletlenszerű műveletek</a:t>
+            </a:r>
+          </a:p>
+          <a:p>
+            <a:pPr lvl="1"/>
+            <a:r>
+              <a:rPr lang="hu-HU" dirty="0" smtClean="0"/>
+              <a:t>Likviditási probléma</a:t>
+            </a:r>
+          </a:p>
+          <a:p>
+            <a:pPr lvl="1"/>
+            <a:r>
+              <a:rPr lang="hu-HU" dirty="0" smtClean="0"/>
+              <a:t>Hosszú távú befektetés</a:t>
+            </a:r>
+          </a:p>
+          <a:p>
+            <a:r>
+              <a:rPr lang="hu-HU" dirty="0" smtClean="0"/>
+              <a:t>Heurisztikus</a:t>
+            </a:r>
+          </a:p>
+          <a:p>
+            <a:pPr lvl="1"/>
+            <a:r>
+              <a:rPr lang="hu-HU" dirty="0" smtClean="0"/>
+              <a:t>Piaci hozam alapján dönt</a:t>
+            </a:r>
+          </a:p>
+          <a:p>
+            <a:pPr lvl="1"/>
+            <a:r>
+              <a:rPr lang="hu-HU" dirty="0" smtClean="0"/>
+              <a:t>Veszteség után, inkább kockáztat</a:t>
+            </a:r>
+          </a:p>
+          <a:p>
+            <a:r>
+              <a:rPr lang="hu-HU" dirty="0" smtClean="0"/>
+              <a:t>Bennfentes</a:t>
+            </a:r>
+          </a:p>
+          <a:p>
+            <a:pPr lvl="1"/>
+            <a:r>
+              <a:rPr lang="hu-HU" dirty="0" smtClean="0"/>
+              <a:t>Belső pozitív vagy negatív információ alapján vesz/ad el</a:t>
+            </a:r>
+            <a:endParaRPr lang="hu-HU" dirty="0"/>
+          </a:p>
+        </p:txBody>
+      </p:sp>
+    </p:spTree>
+    <p:extLst>
+      <p:ext uri="{BB962C8B-B14F-4D97-AF65-F5344CB8AC3E}">
+        <p14:creationId xmlns:p14="http://schemas.microsoft.com/office/powerpoint/2010/main" val="749258298"/>
+      </p:ext>
+    </p:extLst>
+  </p:cSld>
+  <p:clrMapOvr>
+    <a:masterClrMapping/>
+  </p:clrMapOvr>
+</p:sld>
+</file>
+
+<file path=ppt/slides/slide8.xml><?xml version="1.0" encoding="utf-8"?>
+<p:sld xmlns:a="http://schemas.openxmlformats.org/drawingml/2006/main" xmlns:r="http://schemas.openxmlformats.org/officeDocument/2006/relationships" xmlns:p="http://schemas.openxmlformats.org/presentationml/2006/main">
+  <p:cSld>
+    <p:spTree>
+      <p:nvGrpSpPr>
+        <p:cNvPr id="1" name=""/>
+        <p:cNvGrpSpPr/>
+        <p:nvPr/>
+      </p:nvGrpSpPr>
+      <p:grpSpPr>
+        <a:xfrm>
+          <a:off x="0" y="0"/>
+          <a:ext cx="0" cy="0"/>
+          <a:chOff x="0" y="0"/>
+          <a:chExt cx="0" cy="0"/>
+        </a:xfrm>
+      </p:grpSpPr>
+      <p:sp>
+        <p:nvSpPr>
+          <p:cNvPr id="2" name="Cím 1"/>
+          <p:cNvSpPr>
+            <a:spLocks noGrp="1"/>
+          </p:cNvSpPr>
+          <p:nvPr>
+            <p:ph type="title"/>
+          </p:nvPr>
+        </p:nvSpPr>
+        <p:spPr/>
+        <p:txBody>
+          <a:bodyPr/>
+          <a:lstStyle/>
+          <a:p>
+            <a:r>
+              <a:rPr lang="hu-HU" dirty="0"/>
+              <a:t>A modell </a:t>
+            </a:r>
+            <a:r>
+              <a:rPr lang="hu-HU" dirty="0" smtClean="0"/>
+              <a:t>II.</a:t>
+            </a:r>
+            <a:endParaRPr lang="hu-HU" dirty="0"/>
+          </a:p>
+        </p:txBody>
+      </p:sp>
+      <p:sp>
+        <p:nvSpPr>
+          <p:cNvPr id="3" name="Tartalom helye 2"/>
+          <p:cNvSpPr>
+            <a:spLocks noGrp="1"/>
+          </p:cNvSpPr>
+          <p:nvPr>
+            <p:ph idx="1"/>
+          </p:nvPr>
+        </p:nvSpPr>
+        <p:spPr/>
+        <p:txBody>
+          <a:bodyPr/>
+          <a:lstStyle/>
+          <a:p>
+            <a:r>
+              <a:rPr lang="hu-HU" dirty="0" smtClean="0"/>
+              <a:t>Hírmodell</a:t>
+            </a:r>
+          </a:p>
+          <a:p>
+            <a:pPr lvl="1"/>
+            <a:r>
+              <a:rPr lang="hu-HU" dirty="0" err="1" smtClean="0"/>
+              <a:t>Alpha</a:t>
+            </a:r>
+            <a:r>
+              <a:rPr lang="hu-HU" dirty="0" smtClean="0"/>
+              <a:t>: Hír bekövetkezésének gyakorisága</a:t>
+            </a:r>
+          </a:p>
+          <a:p>
+            <a:pPr lvl="1"/>
+            <a:r>
+              <a:rPr lang="hu-HU" dirty="0" smtClean="0"/>
+              <a:t>Delta: A hír iránya (0:pozitív 1:negatív)</a:t>
+            </a:r>
+            <a:endParaRPr lang="hu-HU" dirty="0"/>
+          </a:p>
+          <a:p>
+            <a:r>
+              <a:rPr lang="hu-HU" dirty="0" smtClean="0"/>
+              <a:t>Csoportmodell</a:t>
+            </a:r>
+          </a:p>
+          <a:p>
+            <a:pPr lvl="1"/>
+            <a:r>
+              <a:rPr lang="hu-HU" dirty="0" smtClean="0"/>
+              <a:t>Minden tag egymástól függetlenül dönt</a:t>
+            </a:r>
+          </a:p>
+          <a:p>
+            <a:pPr lvl="1"/>
+            <a:r>
+              <a:rPr lang="hu-HU" dirty="0" smtClean="0"/>
+              <a:t>Valamilyen várható értékkel</a:t>
+            </a:r>
+          </a:p>
+          <a:p>
+            <a:pPr lvl="1"/>
+            <a:r>
+              <a:rPr lang="hu-HU" dirty="0" smtClean="0"/>
+              <a:t>Poisson eloszlás</a:t>
+            </a:r>
+          </a:p>
+        </p:txBody>
+      </p:sp>
+    </p:spTree>
+    <p:extLst>
+      <p:ext uri="{BB962C8B-B14F-4D97-AF65-F5344CB8AC3E}">
+        <p14:creationId xmlns:p14="http://schemas.microsoft.com/office/powerpoint/2010/main" val="1203011258"/>
+      </p:ext>
+    </p:extLst>
+  </p:cSld>
+  <p:clrMapOvr>
+    <a:masterClrMapping/>
+  </p:clrMapOvr>
+</p:sld>
+</file>
+
+<file path=ppt/slides/slide9.xml><?xml version="1.0" encoding="utf-8"?>
+<p:sld xmlns:a="http://schemas.openxmlformats.org/drawingml/2006/main" xmlns:r="http://schemas.openxmlformats.org/officeDocument/2006/relationships" xmlns:p="http://schemas.openxmlformats.org/presentationml/2006/main">
+  <p:cSld>
+    <p:spTree>
+      <p:nvGrpSpPr>
+        <p:cNvPr id="1" name=""/>
+        <p:cNvGrpSpPr/>
+        <p:nvPr/>
+      </p:nvGrpSpPr>
+      <p:grpSpPr>
+        <a:xfrm>
+          <a:off x="0" y="0"/>
+          <a:ext cx="0" cy="0"/>
+          <a:chOff x="0" y="0"/>
+          <a:chExt cx="0" cy="0"/>
+        </a:xfrm>
+      </p:grpSpPr>
+      <p:sp>
+        <p:nvSpPr>
+          <p:cNvPr id="2" name="Cím 1"/>
+          <p:cNvSpPr>
+            <a:spLocks noGrp="1"/>
+          </p:cNvSpPr>
+          <p:nvPr>
+            <p:ph type="title"/>
+          </p:nvPr>
+        </p:nvSpPr>
+        <p:spPr/>
+        <p:txBody>
+          <a:bodyPr/>
+          <a:lstStyle/>
+          <a:p>
+            <a:r>
+              <a:rPr lang="en-US" dirty="0" err="1" smtClean="0"/>
+              <a:t>Adat</a:t>
+            </a:r>
+            <a:r>
+              <a:rPr lang="en-US" dirty="0" smtClean="0"/>
+              <a:t> I.</a:t>
+            </a:r>
+            <a:endParaRPr lang="hu-HU" dirty="0"/>
+          </a:p>
+        </p:txBody>
+      </p:sp>
+      <p:graphicFrame>
+        <p:nvGraphicFramePr>
+          <p:cNvPr id="4" name="Tartalom helye 3"/>
+          <p:cNvGraphicFramePr>
+            <a:graphicFrameLocks noGrp="1"/>
+          </p:cNvGraphicFramePr>
+          <p:nvPr>
+            <p:ph idx="1"/>
+            <p:extLst>
+              <p:ext uri="{D42A27DB-BD31-4B8C-83A1-F6EECF244321}">
+                <p14:modId xmlns:p14="http://schemas.microsoft.com/office/powerpoint/2010/main" val="2696096595"/>
+              </p:ext>
+            </p:extLst>
+          </p:nvPr>
+        </p:nvGraphicFramePr>
+        <p:xfrm>
+          <a:off x="1103313" y="2052638"/>
+          <a:ext cx="8947152" cy="1483360"/>
+        </p:xfrm>
+        <a:graphic>
+          <a:graphicData uri="http://schemas.openxmlformats.org/drawingml/2006/table">
+            <a:tbl>
+              <a:tblPr firstRow="1" bandRow="1">
+                <a:tableStyleId>{5C22544A-7EE6-4342-B048-85BDC9FD1C3A}</a:tableStyleId>
+              </a:tblPr>
+              <a:tblGrid>
+                <a:gridCol w="1118394"/>
+                <a:gridCol w="1118394"/>
+                <a:gridCol w="1118394"/>
+                <a:gridCol w="1118394"/>
+                <a:gridCol w="1118394"/>
+                <a:gridCol w="1118394"/>
+                <a:gridCol w="1118394"/>
+                <a:gridCol w="1118394"/>
+              </a:tblGrid>
+              <a:tr h="370840">
+                <a:tc>
+                  <a:txBody>
+                    <a:bodyPr/>
+                    <a:lstStyle/>
+                    <a:p>
+                      <a:r>
+                        <a:rPr lang="en-US" dirty="0" smtClean="0"/>
+                        <a:t>SYMB</a:t>
+                      </a:r>
+                      <a:endParaRPr lang="hu-HU" dirty="0"/>
+                    </a:p>
+                  </a:txBody>
+                  <a:tcPr/>
+                </a:tc>
+                <a:tc>
+                  <a:txBody>
+                    <a:bodyPr/>
+                    <a:lstStyle/>
+                    <a:p>
+                      <a:r>
+                        <a:rPr lang="en-US" dirty="0" smtClean="0"/>
+                        <a:t>DAYS</a:t>
+                      </a:r>
+                      <a:endParaRPr lang="hu-HU" dirty="0"/>
+                    </a:p>
+                  </a:txBody>
+                  <a:tcPr/>
+                </a:tc>
+                <a:tc>
+                  <a:txBody>
+                    <a:bodyPr/>
+                    <a:lstStyle/>
+                    <a:p>
+                      <a:r>
+                        <a:rPr lang="en-US" dirty="0" smtClean="0"/>
+                        <a:t>DIR</a:t>
+                      </a:r>
+                      <a:endParaRPr lang="hu-HU" dirty="0"/>
+                    </a:p>
+                  </a:txBody>
+                  <a:tcPr/>
+                </a:tc>
+                <a:tc>
+                  <a:txBody>
+                    <a:bodyPr/>
+                    <a:lstStyle/>
+                    <a:p>
+                      <a:r>
+                        <a:rPr lang="en-US" dirty="0" smtClean="0"/>
+                        <a:t>RB</a:t>
+                      </a:r>
+                      <a:endParaRPr lang="hu-HU" dirty="0"/>
+                    </a:p>
+                  </a:txBody>
+                  <a:tcPr/>
+                </a:tc>
+                <a:tc>
+                  <a:txBody>
+                    <a:bodyPr/>
+                    <a:lstStyle/>
+                    <a:p>
+                      <a:r>
+                        <a:rPr lang="en-US" dirty="0" smtClean="0"/>
+                        <a:t>HB</a:t>
+                      </a:r>
+                      <a:endParaRPr lang="hu-HU" dirty="0"/>
+                    </a:p>
+                  </a:txBody>
+                  <a:tcPr/>
+                </a:tc>
+                <a:tc>
+                  <a:txBody>
+                    <a:bodyPr/>
+                    <a:lstStyle/>
+                    <a:p>
+                      <a:r>
+                        <a:rPr lang="en-US" dirty="0" smtClean="0"/>
+                        <a:t>RS</a:t>
+                      </a:r>
+                      <a:endParaRPr lang="hu-HU" dirty="0"/>
+                    </a:p>
+                  </a:txBody>
+                  <a:tcPr/>
+                </a:tc>
+                <a:tc>
+                  <a:txBody>
+                    <a:bodyPr/>
+                    <a:lstStyle/>
+                    <a:p>
+                      <a:r>
+                        <a:rPr lang="en-US" dirty="0" smtClean="0"/>
+                        <a:t>HS</a:t>
+                      </a:r>
+                      <a:endParaRPr lang="hu-HU" dirty="0"/>
+                    </a:p>
+                  </a:txBody>
+                  <a:tcPr/>
+                </a:tc>
+                <a:tc>
+                  <a:txBody>
+                    <a:bodyPr/>
+                    <a:lstStyle/>
+                    <a:p>
+                      <a:r>
+                        <a:rPr lang="en-US" dirty="0" smtClean="0"/>
+                        <a:t>INF</a:t>
+                      </a:r>
+                      <a:endParaRPr lang="hu-HU" dirty="0"/>
+                    </a:p>
+                  </a:txBody>
+                  <a:tcPr/>
+                </a:tc>
+              </a:tr>
+              <a:tr h="370840">
+                <a:tc>
+                  <a:txBody>
+                    <a:bodyPr/>
+                    <a:lstStyle/>
+                    <a:p>
+                      <a:r>
+                        <a:rPr lang="en-US" dirty="0" smtClean="0"/>
+                        <a:t>IBM</a:t>
+                      </a:r>
+                      <a:endParaRPr lang="hu-HU" dirty="0"/>
+                    </a:p>
+                  </a:txBody>
+                  <a:tcPr/>
+                </a:tc>
+                <a:tc>
+                  <a:txBody>
+                    <a:bodyPr/>
+                    <a:lstStyle/>
+                    <a:p>
+                      <a:r>
+                        <a:rPr lang="en-US" dirty="0" smtClean="0"/>
+                        <a:t>0.54</a:t>
+                      </a:r>
+                      <a:endParaRPr lang="hu-HU" dirty="0"/>
+                    </a:p>
+                  </a:txBody>
+                  <a:tcPr/>
+                </a:tc>
+                <a:tc>
+                  <a:txBody>
+                    <a:bodyPr/>
+                    <a:lstStyle/>
+                    <a:p>
+                      <a:r>
+                        <a:rPr lang="en-US" dirty="0" smtClean="0"/>
+                        <a:t>0.51</a:t>
+                      </a:r>
+                      <a:endParaRPr lang="hu-HU" dirty="0"/>
+                    </a:p>
+                  </a:txBody>
+                  <a:tcPr/>
+                </a:tc>
+                <a:tc>
+                  <a:txBody>
+                    <a:bodyPr/>
+                    <a:lstStyle/>
+                    <a:p>
+                      <a:r>
+                        <a:rPr lang="en-US" dirty="0" smtClean="0"/>
+                        <a:t>2388.76</a:t>
+                      </a:r>
+                      <a:endParaRPr lang="hu-HU" dirty="0"/>
+                    </a:p>
+                  </a:txBody>
+                  <a:tcPr/>
+                </a:tc>
+                <a:tc>
+                  <a:txBody>
+                    <a:bodyPr/>
+                    <a:lstStyle/>
+                    <a:p>
+                      <a:r>
+                        <a:rPr lang="en-US" dirty="0" smtClean="0"/>
+                        <a:t>139.73</a:t>
+                      </a:r>
+                      <a:endParaRPr lang="hu-HU" dirty="0"/>
+                    </a:p>
+                  </a:txBody>
+                  <a:tcPr/>
+                </a:tc>
+                <a:tc>
+                  <a:txBody>
+                    <a:bodyPr/>
+                    <a:lstStyle/>
+                    <a:p>
+                      <a:r>
+                        <a:rPr lang="en-US" dirty="0" smtClean="0"/>
+                        <a:t>2120.19</a:t>
+                      </a:r>
+                      <a:endParaRPr lang="hu-HU" dirty="0"/>
+                    </a:p>
+                  </a:txBody>
+                  <a:tcPr/>
+                </a:tc>
+                <a:tc>
+                  <a:txBody>
+                    <a:bodyPr/>
+                    <a:lstStyle/>
+                    <a:p>
+                      <a:r>
+                        <a:rPr lang="en-US" dirty="0" smtClean="0"/>
+                        <a:t>293.45</a:t>
+                      </a:r>
+                      <a:endParaRPr lang="hu-HU" dirty="0"/>
+                    </a:p>
+                  </a:txBody>
+                  <a:tcPr/>
+                </a:tc>
+                <a:tc>
+                  <a:txBody>
+                    <a:bodyPr/>
+                    <a:lstStyle/>
+                    <a:p>
+                      <a:r>
+                        <a:rPr lang="en-US" dirty="0" smtClean="0"/>
+                        <a:t>542.99</a:t>
+                      </a:r>
+                      <a:endParaRPr lang="hu-HU" dirty="0"/>
+                    </a:p>
+                  </a:txBody>
+                  <a:tcPr/>
+                </a:tc>
+              </a:tr>
+              <a:tr h="370840">
+                <a:tc>
+                  <a:txBody>
+                    <a:bodyPr/>
+                    <a:lstStyle/>
+                    <a:p>
+                      <a:r>
+                        <a:rPr lang="en-US" dirty="0" smtClean="0"/>
+                        <a:t>JNJ</a:t>
+                      </a:r>
+                      <a:endParaRPr lang="hu-HU" dirty="0"/>
+                    </a:p>
+                  </a:txBody>
+                  <a:tcPr/>
+                </a:tc>
+                <a:tc>
+                  <a:txBody>
+                    <a:bodyPr/>
+                    <a:lstStyle/>
+                    <a:p>
+                      <a:r>
+                        <a:rPr lang="en-US" dirty="0" smtClean="0"/>
+                        <a:t>0.44</a:t>
+                      </a:r>
+                      <a:endParaRPr lang="hu-HU" dirty="0"/>
+                    </a:p>
+                  </a:txBody>
+                  <a:tcPr/>
+                </a:tc>
+                <a:tc>
+                  <a:txBody>
+                    <a:bodyPr/>
+                    <a:lstStyle/>
+                    <a:p>
+                      <a:r>
+                        <a:rPr lang="en-US" dirty="0" smtClean="0"/>
+                        <a:t>0.48</a:t>
+                      </a:r>
+                      <a:endParaRPr lang="hu-HU" dirty="0"/>
+                    </a:p>
+                  </a:txBody>
+                  <a:tcPr/>
+                </a:tc>
+                <a:tc>
+                  <a:txBody>
+                    <a:bodyPr/>
+                    <a:lstStyle/>
+                    <a:p>
+                      <a:r>
+                        <a:rPr lang="en-US" dirty="0" smtClean="0"/>
+                        <a:t>2264.85</a:t>
+                      </a:r>
+                      <a:endParaRPr lang="hu-HU" dirty="0"/>
+                    </a:p>
+                  </a:txBody>
+                  <a:tcPr/>
+                </a:tc>
+                <a:tc>
+                  <a:txBody>
+                    <a:bodyPr/>
+                    <a:lstStyle/>
+                    <a:p>
+                      <a:r>
+                        <a:rPr lang="en-US" dirty="0" smtClean="0"/>
+                        <a:t>52.95</a:t>
+                      </a:r>
+                      <a:endParaRPr lang="hu-HU" dirty="0"/>
+                    </a:p>
+                  </a:txBody>
+                  <a:tcPr/>
+                </a:tc>
+                <a:tc>
+                  <a:txBody>
+                    <a:bodyPr/>
+                    <a:lstStyle/>
+                    <a:p>
+                      <a:r>
+                        <a:rPr lang="en-US" dirty="0" smtClean="0"/>
+                        <a:t>1725.37</a:t>
+                      </a:r>
+                      <a:endParaRPr lang="hu-HU" dirty="0"/>
+                    </a:p>
+                  </a:txBody>
+                  <a:tcPr/>
+                </a:tc>
+                <a:tc>
+                  <a:txBody>
+                    <a:bodyPr/>
+                    <a:lstStyle/>
+                    <a:p>
+                      <a:r>
+                        <a:rPr lang="en-US" dirty="0" smtClean="0"/>
+                        <a:t>45.16</a:t>
+                      </a:r>
+                      <a:endParaRPr lang="hu-HU" dirty="0"/>
+                    </a:p>
+                  </a:txBody>
+                  <a:tcPr/>
+                </a:tc>
+                <a:tc>
+                  <a:txBody>
+                    <a:bodyPr/>
+                    <a:lstStyle/>
+                    <a:p>
+                      <a:r>
+                        <a:rPr lang="en-US" dirty="0" smtClean="0"/>
+                        <a:t>525.07</a:t>
+                      </a:r>
+                      <a:endParaRPr lang="hu-HU" dirty="0"/>
+                    </a:p>
+                  </a:txBody>
+                  <a:tcPr/>
+                </a:tc>
+              </a:tr>
+              <a:tr h="370840">
+                <a:tc>
+                  <a:txBody>
+                    <a:bodyPr/>
+                    <a:lstStyle/>
+                    <a:p>
+                      <a:r>
+                        <a:rPr lang="en-US" dirty="0" smtClean="0"/>
+                        <a:t>PFE</a:t>
+                      </a:r>
+                      <a:endParaRPr lang="hu-HU" dirty="0"/>
+                    </a:p>
+                  </a:txBody>
+                  <a:tcPr/>
+                </a:tc>
+                <a:tc>
+                  <a:txBody>
+                    <a:bodyPr/>
+                    <a:lstStyle/>
+                    <a:p>
+                      <a:r>
+                        <a:rPr lang="en-US" dirty="0" smtClean="0"/>
+                        <a:t>0.61</a:t>
+                      </a:r>
+                      <a:endParaRPr lang="hu-HU" dirty="0"/>
+                    </a:p>
+                  </a:txBody>
+                  <a:tcPr/>
+                </a:tc>
+                <a:tc>
+                  <a:txBody>
+                    <a:bodyPr/>
+                    <a:lstStyle/>
+                    <a:p>
+                      <a:r>
+                        <a:rPr lang="en-US" dirty="0" smtClean="0"/>
+                        <a:t>0.88</a:t>
+                      </a:r>
+                      <a:endParaRPr lang="hu-HU" dirty="0"/>
+                    </a:p>
+                  </a:txBody>
+                  <a:tcPr/>
+                </a:tc>
+                <a:tc>
+                  <a:txBody>
+                    <a:bodyPr/>
+                    <a:lstStyle/>
+                    <a:p>
+                      <a:r>
+                        <a:rPr lang="en-US" dirty="0" smtClean="0"/>
+                        <a:t>2659.63</a:t>
+                      </a:r>
+                      <a:endParaRPr lang="hu-HU" dirty="0"/>
+                    </a:p>
+                  </a:txBody>
+                  <a:tcPr/>
+                </a:tc>
+                <a:tc>
+                  <a:txBody>
+                    <a:bodyPr/>
+                    <a:lstStyle/>
+                    <a:p>
+                      <a:r>
+                        <a:rPr lang="en-US" dirty="0" smtClean="0"/>
+                        <a:t>91.80</a:t>
+                      </a:r>
+                      <a:endParaRPr lang="hu-HU" dirty="0"/>
+                    </a:p>
+                  </a:txBody>
+                  <a:tcPr/>
+                </a:tc>
+                <a:tc>
+                  <a:txBody>
+                    <a:bodyPr/>
+                    <a:lstStyle/>
+                    <a:p>
+                      <a:r>
+                        <a:rPr lang="en-US" dirty="0" smtClean="0"/>
+                        <a:t>2504.07</a:t>
+                      </a:r>
+                      <a:endParaRPr lang="hu-HU" dirty="0"/>
+                    </a:p>
+                  </a:txBody>
+                  <a:tcPr/>
+                </a:tc>
+                <a:tc>
+                  <a:txBody>
+                    <a:bodyPr/>
+                    <a:lstStyle/>
+                    <a:p>
+                      <a:r>
+                        <a:rPr lang="en-US" dirty="0" smtClean="0"/>
+                        <a:t>11.47</a:t>
+                      </a:r>
+                      <a:endParaRPr lang="hu-HU" dirty="0"/>
+                    </a:p>
+                  </a:txBody>
+                  <a:tcPr/>
+                </a:tc>
+                <a:tc>
+                  <a:txBody>
+                    <a:bodyPr/>
+                    <a:lstStyle/>
+                    <a:p>
+                      <a:r>
+                        <a:rPr lang="en-US" dirty="0" smtClean="0"/>
+                        <a:t>467.54</a:t>
+                      </a:r>
+                      <a:endParaRPr lang="hu-HU" dirty="0"/>
+                    </a:p>
+                  </a:txBody>
+                  <a:tcPr/>
+                </a:tc>
+              </a:tr>
+            </a:tbl>
+          </a:graphicData>
+        </a:graphic>
+      </p:graphicFrame>
+    </p:spTree>
+    <p:extLst>
+      <p:ext uri="{BB962C8B-B14F-4D97-AF65-F5344CB8AC3E}">
+        <p14:creationId xmlns:p14="http://schemas.microsoft.com/office/powerpoint/2010/main" val="3337438313"/>
       </p:ext>
     </p:extLst>
   </p:cSld>
